--- a/WeeklyDeck_Template.pptx
+++ b/WeeklyDeck_Template.pptx
@@ -1115,6 +1115,15 @@
     </pc:docChg>
   </pc:docChgLst>
   <pc:docChgLst>
+    <pc:chgData name="Kumar, M Pavan" userId="S::mpavkumar@deloitte.com::c57e25e4-4624-4003-81ff-e96fcf3c5b4e" providerId="AD" clId="Web-{23B060F6-0568-EC90-8D71-974C698F1742}"/>
+    <pc:docChg chg="modSld">
+      <pc:chgData name="Kumar, M Pavan" userId="S::mpavkumar@deloitte.com::c57e25e4-4624-4003-81ff-e96fcf3c5b4e" providerId="AD" clId="Web-{23B060F6-0568-EC90-8D71-974C698F1742}" dt="2025-08-29T10:53:10.133" v="19"/>
+      <pc:docMkLst>
+        <pc:docMk/>
+      </pc:docMkLst>
+    </pc:docChg>
+  </pc:docChgLst>
+  <pc:docChgLst>
     <pc:chgData name="Rawat, Pragati" userId="9b4df913-7eb4-456c-8eee-342fbb4de8cb" providerId="ADAL" clId="{BC1DC6D2-5522-4C94-BF43-15ED7545B0BD}"/>
     <pc:docChg chg="custSel modSld">
       <pc:chgData name="Rawat, Pragati" userId="9b4df913-7eb4-456c-8eee-342fbb4de8cb" providerId="ADAL" clId="{BC1DC6D2-5522-4C94-BF43-15ED7545B0BD}" dt="2025-09-12T14:56:09.873" v="100" actId="20577"/>
@@ -1136,15 +1145,6 @@
           </ac:graphicFrameMkLst>
         </pc:graphicFrameChg>
       </pc:sldChg>
-    </pc:docChg>
-  </pc:docChgLst>
-  <pc:docChgLst>
-    <pc:chgData name="Kumar, M Pavan" userId="S::mpavkumar@deloitte.com::c57e25e4-4624-4003-81ff-e96fcf3c5b4e" providerId="AD" clId="Web-{23B060F6-0568-EC90-8D71-974C698F1742}"/>
-    <pc:docChg chg="modSld">
-      <pc:chgData name="Kumar, M Pavan" userId="S::mpavkumar@deloitte.com::c57e25e4-4624-4003-81ff-e96fcf3c5b4e" providerId="AD" clId="Web-{23B060F6-0568-EC90-8D71-974C698F1742}" dt="2025-08-29T10:53:10.133" v="19"/>
-      <pc:docMkLst>
-        <pc:docMk/>
-      </pc:docMkLst>
     </pc:docChg>
   </pc:docChgLst>
   <pc:docChgLst>
@@ -8141,7 +8141,7 @@
           <a:p>
             <a:fld id="{BDA21943-350D-4AAA-BB44-C822C3A37900}" type="datetimeFigureOut">
               <a:rPr lang="en-US" smtClean="0"/>
-              <a:t>9/22/2025</a:t>
+              <a:t>10/26/2025</a:t>
             </a:fld>
             <a:endParaRPr lang="en-US"/>
           </a:p>
@@ -16851,7 +16851,7 @@
           <p:nvPr>
             <p:extLst>
               <p:ext uri="{D42A27DB-BD31-4B8C-83A1-F6EECF244321}">
-                <p14:modId xmlns:p14="http://schemas.microsoft.com/office/powerpoint/2010/main" val="3019416975"/>
+                <p14:modId xmlns:p14="http://schemas.microsoft.com/office/powerpoint/2010/main" val="1066264870"/>
               </p:ext>
             </p:extLst>
           </p:nvPr>
@@ -17404,7 +17404,7 @@
                         </a:spcAft>
                         <a:buNone/>
                       </a:pPr>
-                      <a:endParaRPr lang="en-US" sz="1000" b="1" i="0" u="none" strike="noStrike" kern="1200" noProof="0">
+                      <a:endParaRPr lang="en-US" sz="1000" b="1" i="0" u="none" strike="noStrike" kern="1200" noProof="0" dirty="0">
                         <a:solidFill>
                           <a:schemeClr val="bg1"/>
                         </a:solidFill>
@@ -17428,7 +17428,7 @@
                         <a:buNone/>
                       </a:pPr>
                       <a:r>
-                        <a:rPr lang="en-US" sz="1000" b="0" i="0" u="none" strike="noStrike" kern="1200" noProof="0">
+                        <a:rPr lang="en-US" sz="1000" b="0" i="0" u="none" strike="noStrike" kern="1200" noProof="0" dirty="0">
                           <a:solidFill>
                             <a:schemeClr val="bg1"/>
                           </a:solidFill>
@@ -17457,7 +17457,7 @@
                         <a:buFont typeface="Arial"/>
                         <a:buChar char="•"/>
                       </a:pPr>
-                      <a:endParaRPr lang="en-US" sz="1000">
+                      <a:endParaRPr lang="en-US" sz="1000" dirty="0">
                         <a:latin typeface="Open Sans"/>
                       </a:endParaRPr>
                     </a:p>
@@ -17534,7 +17534,7 @@
                         <a:buNone/>
                       </a:pPr>
                       <a:r>
-                        <a:rPr lang="en-US" sz="1000" b="1" i="0" u="none" strike="noStrike" kern="1200" noProof="0">
+                        <a:rPr lang="en-US" sz="1000" b="1" i="0" u="none" strike="noStrike" kern="1200" noProof="0" dirty="0">
                           <a:solidFill>
                             <a:schemeClr val="bg1"/>
                           </a:solidFill>
@@ -17545,7 +17545,7 @@
                         </a:rPr>
                         <a:t>Ticket Status:</a:t>
                       </a:r>
-                      <a:endParaRPr lang="en-US" sz="1000" b="1" i="0" u="none" strike="noStrike" kern="1200">
+                      <a:endParaRPr lang="en-US" sz="1000" b="1" i="0" u="none" strike="noStrike" kern="1200" dirty="0">
                         <a:solidFill>
                           <a:schemeClr val="bg1"/>
                         </a:solidFill>
@@ -17573,7 +17573,7 @@
                         <a:buChar char="•"/>
                       </a:pPr>
                       <a:r>
-                        <a:rPr lang="en-US" sz="1000" b="0" i="0" u="none" strike="noStrike" kern="1200" noProof="0">
+                        <a:rPr lang="en-US" sz="1000" b="0" i="0" u="none" strike="noStrike" kern="1200" noProof="0" dirty="0">
                           <a:solidFill>
                             <a:schemeClr val="bg1"/>
                           </a:solidFill>
@@ -37274,6 +37274,33 @@
 </file>
 
 <file path=customXml/item1.xml><?xml version="1.0" encoding="utf-8"?>
+<?mso-contentType ?>
+<FormTemplates xmlns="http://schemas.microsoft.com/sharepoint/v3/contenttype/forms">
+  <Display>DocumentLibraryForm</Display>
+  <Edit>DocumentLibraryForm</Edit>
+  <New>DocumentLibraryForm</New>
+</FormTemplates>
+</file>
+
+<file path=customXml/item2.xml><?xml version="1.0" encoding="utf-8"?>
+<p:properties xmlns:p="http://schemas.microsoft.com/office/2006/metadata/properties" xmlns:xsi="http://www.w3.org/2001/XMLSchema-instance" xmlns:pc="http://schemas.microsoft.com/office/infopath/2007/PartnerControls">
+  <documentManagement>
+    <SharedWithUsers xmlns="0c8cfcba-b016-4e30-8556-6f1cb7c975af">
+      <UserInfo>
+        <DisplayName>Choudhary, Babita</DisplayName>
+        <AccountId>49</AccountId>
+        <AccountType/>
+      </UserInfo>
+    </SharedWithUsers>
+    <TaxCatchAll xmlns="0c8cfcba-b016-4e30-8556-6f1cb7c975af" xsi:nil="true"/>
+    <lcf76f155ced4ddcb4097134ff3c332f xmlns="21eabdcc-72ab-4064-9f46-5100b1dc17a4">
+      <Terms xmlns="http://schemas.microsoft.com/office/infopath/2007/PartnerControls"/>
+    </lcf76f155ced4ddcb4097134ff3c332f>
+  </documentManagement>
+</p:properties>
+</file>
+
+<file path=customXml/item3.xml><?xml version="1.0" encoding="utf-8"?>
 <ct:contentTypeSchema xmlns:ct="http://schemas.microsoft.com/office/2006/metadata/contentType" xmlns:ma="http://schemas.microsoft.com/office/2006/metadata/properties/metaAttributes" ct:_="" ma:_="" ma:contentTypeName="Document" ma:contentTypeID="0x010100BE5E5BA06A902547B72725678B9AC8F3" ma:contentTypeVersion="16" ma:contentTypeDescription="Create a new document." ma:contentTypeScope="" ma:versionID="271747c30a1d0c6f35a5932e18e305f5">
   <xsd:schema xmlns:xsd="http://www.w3.org/2001/XMLSchema" xmlns:xs="http://www.w3.org/2001/XMLSchema" xmlns:p="http://schemas.microsoft.com/office/2006/metadata/properties" xmlns:ns2="21eabdcc-72ab-4064-9f46-5100b1dc17a4" xmlns:ns3="0c8cfcba-b016-4e30-8556-6f1cb7c975af" targetNamespace="http://schemas.microsoft.com/office/2006/metadata/properties" ma:root="true" ma:fieldsID="0af4f099e4a2bd447a847ed71e35eb91" ns2:_="" ns3:_="">
     <xsd:import namespace="21eabdcc-72ab-4064-9f46-5100b1dc17a4"/>
@@ -37516,49 +37543,10 @@
 </ct:contentTypeSchema>
 </file>
 
-<file path=customXml/item2.xml><?xml version="1.0" encoding="utf-8"?>
-<p:properties xmlns:p="http://schemas.microsoft.com/office/2006/metadata/properties" xmlns:xsi="http://www.w3.org/2001/XMLSchema-instance" xmlns:pc="http://schemas.microsoft.com/office/infopath/2007/PartnerControls">
-  <documentManagement>
-    <SharedWithUsers xmlns="0c8cfcba-b016-4e30-8556-6f1cb7c975af">
-      <UserInfo>
-        <DisplayName>Choudhary, Babita</DisplayName>
-        <AccountId>49</AccountId>
-        <AccountType/>
-      </UserInfo>
-    </SharedWithUsers>
-    <TaxCatchAll xmlns="0c8cfcba-b016-4e30-8556-6f1cb7c975af" xsi:nil="true"/>
-    <lcf76f155ced4ddcb4097134ff3c332f xmlns="21eabdcc-72ab-4064-9f46-5100b1dc17a4">
-      <Terms xmlns="http://schemas.microsoft.com/office/infopath/2007/PartnerControls"/>
-    </lcf76f155ced4ddcb4097134ff3c332f>
-  </documentManagement>
-</p:properties>
-</file>
-
-<file path=customXml/item3.xml><?xml version="1.0" encoding="utf-8"?>
-<?mso-contentType ?>
-<FormTemplates xmlns="http://schemas.microsoft.com/sharepoint/v3/contenttype/forms">
-  <Display>DocumentLibraryForm</Display>
-  <Edit>DocumentLibraryForm</Edit>
-  <New>DocumentLibraryForm</New>
-</FormTemplates>
-</file>
-
 <file path=customXml/itemProps1.xml><?xml version="1.0" encoding="utf-8"?>
-<ds:datastoreItem xmlns:ds="http://schemas.openxmlformats.org/officeDocument/2006/customXml" ds:itemID="{9A4F9743-95BA-4C12-87A3-813E241F842B}">
+<ds:datastoreItem xmlns:ds="http://schemas.openxmlformats.org/officeDocument/2006/customXml" ds:itemID="{380FE039-71A2-40B4-A75C-21F3CDB51F48}">
   <ds:schemaRefs>
-    <ds:schemaRef ds:uri="0c8cfcba-b016-4e30-8556-6f1cb7c975af"/>
-    <ds:schemaRef ds:uri="21eabdcc-72ab-4064-9f46-5100b1dc17a4"/>
-    <ds:schemaRef ds:uri="http://purl.org/dc/elements/1.1/"/>
-    <ds:schemaRef ds:uri="http://purl.org/dc/terms/"/>
-    <ds:schemaRef ds:uri="http://schemas.microsoft.com/internal/obd"/>
-    <ds:schemaRef ds:uri="http://schemas.microsoft.com/office/2006/documentManagement/types"/>
-    <ds:schemaRef ds:uri="http://schemas.microsoft.com/office/2006/metadata/contentType"/>
-    <ds:schemaRef ds:uri="http://schemas.microsoft.com/office/2006/metadata/properties"/>
-    <ds:schemaRef ds:uri="http://schemas.microsoft.com/office/2006/metadata/properties/metaAttributes"/>
-    <ds:schemaRef ds:uri="http://schemas.microsoft.com/office/infopath/2007/PartnerControls"/>
-    <ds:schemaRef ds:uri="http://schemas.openxmlformats.org/package/2006/metadata/core-properties"/>
-    <ds:schemaRef ds:uri="http://www.w3.org/2000/xmlns/"/>
-    <ds:schemaRef ds:uri="http://www.w3.org/2001/XMLSchema"/>
+    <ds:schemaRef ds:uri="http://schemas.microsoft.com/sharepoint/v3/contenttype/forms"/>
   </ds:schemaRefs>
 </ds:datastoreItem>
 </file>
@@ -37581,9 +37569,21 @@
 </file>
 
 <file path=customXml/itemProps3.xml><?xml version="1.0" encoding="utf-8"?>
-<ds:datastoreItem xmlns:ds="http://schemas.openxmlformats.org/officeDocument/2006/customXml" ds:itemID="{380FE039-71A2-40B4-A75C-21F3CDB51F48}">
+<ds:datastoreItem xmlns:ds="http://schemas.openxmlformats.org/officeDocument/2006/customXml" ds:itemID="{9A4F9743-95BA-4C12-87A3-813E241F842B}">
   <ds:schemaRefs>
-    <ds:schemaRef ds:uri="http://schemas.microsoft.com/sharepoint/v3/contenttype/forms"/>
+    <ds:schemaRef ds:uri="0c8cfcba-b016-4e30-8556-6f1cb7c975af"/>
+    <ds:schemaRef ds:uri="21eabdcc-72ab-4064-9f46-5100b1dc17a4"/>
+    <ds:schemaRef ds:uri="http://purl.org/dc/elements/1.1/"/>
+    <ds:schemaRef ds:uri="http://purl.org/dc/terms/"/>
+    <ds:schemaRef ds:uri="http://schemas.microsoft.com/internal/obd"/>
+    <ds:schemaRef ds:uri="http://schemas.microsoft.com/office/2006/documentManagement/types"/>
+    <ds:schemaRef ds:uri="http://schemas.microsoft.com/office/2006/metadata/contentType"/>
+    <ds:schemaRef ds:uri="http://schemas.microsoft.com/office/2006/metadata/properties"/>
+    <ds:schemaRef ds:uri="http://schemas.microsoft.com/office/2006/metadata/properties/metaAttributes"/>
+    <ds:schemaRef ds:uri="http://schemas.microsoft.com/office/infopath/2007/PartnerControls"/>
+    <ds:schemaRef ds:uri="http://schemas.openxmlformats.org/package/2006/metadata/core-properties"/>
+    <ds:schemaRef ds:uri="http://www.w3.org/2000/xmlns/"/>
+    <ds:schemaRef ds:uri="http://www.w3.org/2001/XMLSchema"/>
   </ds:schemaRefs>
 </ds:datastoreItem>
 </file>
